--- a/研发部2018年年度总结.pptx
+++ b/研发部2018年年度总结.pptx
@@ -12,16 +12,21 @@
     <p:sldId id="258" r:id="rId6"/>
     <p:sldId id="261" r:id="rId7"/>
     <p:sldId id="272" r:id="rId8"/>
-    <p:sldId id="262" r:id="rId9"/>
-    <p:sldId id="263" r:id="rId10"/>
-    <p:sldId id="264" r:id="rId11"/>
-    <p:sldId id="265" r:id="rId12"/>
-    <p:sldId id="266" r:id="rId13"/>
-    <p:sldId id="267" r:id="rId14"/>
-    <p:sldId id="268" r:id="rId15"/>
-    <p:sldId id="269" r:id="rId16"/>
-    <p:sldId id="270" r:id="rId17"/>
-    <p:sldId id="271" r:id="rId18"/>
+    <p:sldId id="273" r:id="rId9"/>
+    <p:sldId id="274" r:id="rId10"/>
+    <p:sldId id="275" r:id="rId11"/>
+    <p:sldId id="276" r:id="rId12"/>
+    <p:sldId id="277" r:id="rId13"/>
+    <p:sldId id="262" r:id="rId14"/>
+    <p:sldId id="263" r:id="rId15"/>
+    <p:sldId id="264" r:id="rId16"/>
+    <p:sldId id="265" r:id="rId17"/>
+    <p:sldId id="266" r:id="rId18"/>
+    <p:sldId id="267" r:id="rId19"/>
+    <p:sldId id="268" r:id="rId20"/>
+    <p:sldId id="269" r:id="rId21"/>
+    <p:sldId id="270" r:id="rId22"/>
+    <p:sldId id="278" r:id="rId23"/>
   </p:sldIdLst>
   <p:sldSz cx="12192000" cy="6858000"/>
   <p:notesSz cx="6858000" cy="9144000"/>
@@ -120,6 +125,11 @@
       </a:defRPr>
     </a:lvl9pPr>
   </p:defaultTextStyle>
+  <p:extLst>
+    <p:ext uri="{EFAFB233-063F-42B5-8137-9DF3F51BA10A}">
+      <p15:sldGuideLst xmlns:p15="http://schemas.microsoft.com/office/powerpoint/2012/main"/>
+    </p:ext>
+  </p:extLst>
 </p:presentation>
 </file>
 
@@ -5440,8 +5450,8 @@
               <a:buChar char="•"/>
             </a:pPr>
             <a:r>
-              <a:rPr lang="zh-CN" altLang="en-US" dirty="0"/>
-              <a:t>部分成果展示</a:t>
+              <a:rPr lang="zh-CN" altLang="en-US" dirty="0" smtClean="0"/>
+              <a:t>部分数据展示</a:t>
             </a:r>
             <a:endParaRPr lang="en-US" altLang="zh-CN" dirty="0"/>
           </a:p>
@@ -5467,6 +5477,311 @@
 </file>
 
 <file path=ppt/slides/slide10.xml><?xml version="1.0" encoding="utf-8"?>
+<p:sld xmlns:a="http://schemas.openxmlformats.org/drawingml/2006/main" xmlns:r="http://schemas.openxmlformats.org/officeDocument/2006/relationships" xmlns:p="http://schemas.openxmlformats.org/presentationml/2006/main">
+  <p:cSld>
+    <p:spTree>
+      <p:nvGrpSpPr>
+        <p:cNvPr id="1" name=""/>
+        <p:cNvGrpSpPr/>
+        <p:nvPr/>
+      </p:nvGrpSpPr>
+      <p:grpSpPr>
+        <a:xfrm>
+          <a:off x="0" y="0"/>
+          <a:ext cx="0" cy="0"/>
+          <a:chOff x="0" y="0"/>
+          <a:chExt cx="0" cy="0"/>
+        </a:xfrm>
+      </p:grpSpPr>
+      <p:sp>
+        <p:nvSpPr>
+          <p:cNvPr id="3" name="内容占位符 2"/>
+          <p:cNvSpPr>
+            <a:spLocks noGrp="1"/>
+          </p:cNvSpPr>
+          <p:nvPr>
+            <p:ph idx="1"/>
+          </p:nvPr>
+        </p:nvSpPr>
+        <p:spPr>
+          <a:xfrm>
+            <a:off x="684212" y="685800"/>
+            <a:ext cx="8534400" cy="4925291"/>
+          </a:xfrm>
+        </p:spPr>
+        <p:txBody>
+          <a:bodyPr/>
+          <a:lstStyle/>
+          <a:p>
+            <a:pPr marL="514350" indent="-514350">
+              <a:buFont typeface="+mj-ea"/>
+              <a:buAutoNum type="ea1JpnChsDbPeriod" startAt="3"/>
+            </a:pPr>
+            <a:r>
+              <a:rPr lang="zh-CN" altLang="en-US" dirty="0" smtClean="0"/>
+              <a:t>增加统一的日志实现，保存用户的所有行为的同时记录完整的数据变化，做到数据可恢复、可追溯。</a:t>
+            </a:r>
+            <a:endParaRPr lang="zh-CN" altLang="en-US" dirty="0"/>
+          </a:p>
+        </p:txBody>
+      </p:sp>
+    </p:spTree>
+    <p:extLst>
+      <p:ext uri="{BB962C8B-B14F-4D97-AF65-F5344CB8AC3E}">
+        <p14:creationId xmlns:p14="http://schemas.microsoft.com/office/powerpoint/2010/main" val="538274015"/>
+      </p:ext>
+    </p:extLst>
+  </p:cSld>
+  <p:clrMapOvr>
+    <a:masterClrMapping/>
+  </p:clrMapOvr>
+</p:sld>
+</file>
+
+<file path=ppt/slides/slide11.xml><?xml version="1.0" encoding="utf-8"?>
+<p:sld xmlns:a="http://schemas.openxmlformats.org/drawingml/2006/main" xmlns:r="http://schemas.openxmlformats.org/officeDocument/2006/relationships" xmlns:p="http://schemas.openxmlformats.org/presentationml/2006/main">
+  <p:cSld>
+    <p:spTree>
+      <p:nvGrpSpPr>
+        <p:cNvPr id="1" name=""/>
+        <p:cNvGrpSpPr/>
+        <p:nvPr/>
+      </p:nvGrpSpPr>
+      <p:grpSpPr>
+        <a:xfrm>
+          <a:off x="0" y="0"/>
+          <a:ext cx="0" cy="0"/>
+          <a:chOff x="0" y="0"/>
+          <a:chExt cx="0" cy="0"/>
+        </a:xfrm>
+      </p:grpSpPr>
+      <p:sp>
+        <p:nvSpPr>
+          <p:cNvPr id="3" name="内容占位符 2"/>
+          <p:cNvSpPr>
+            <a:spLocks noGrp="1"/>
+          </p:cNvSpPr>
+          <p:nvPr>
+            <p:ph idx="1"/>
+          </p:nvPr>
+        </p:nvSpPr>
+        <p:spPr>
+          <a:xfrm>
+            <a:off x="684212" y="685800"/>
+            <a:ext cx="8534400" cy="5374178"/>
+          </a:xfrm>
+        </p:spPr>
+        <p:txBody>
+          <a:bodyPr/>
+          <a:lstStyle/>
+          <a:p>
+            <a:pPr marL="514350" indent="-514350">
+              <a:buFont typeface="+mj-ea"/>
+              <a:buAutoNum type="ea1JpnChsDbPeriod" startAt="4"/>
+            </a:pPr>
+            <a:r>
+              <a:rPr lang="zh-CN" altLang="en-US" dirty="0" smtClean="0"/>
+              <a:t>增加数据库事务，保证数据完整性。</a:t>
+            </a:r>
+            <a:endParaRPr lang="zh-CN" altLang="en-US" dirty="0"/>
+          </a:p>
+        </p:txBody>
+      </p:sp>
+    </p:spTree>
+    <p:extLst>
+      <p:ext uri="{BB962C8B-B14F-4D97-AF65-F5344CB8AC3E}">
+        <p14:creationId xmlns:p14="http://schemas.microsoft.com/office/powerpoint/2010/main" val="3955393327"/>
+      </p:ext>
+    </p:extLst>
+  </p:cSld>
+  <p:clrMapOvr>
+    <a:masterClrMapping/>
+  </p:clrMapOvr>
+</p:sld>
+</file>
+
+<file path=ppt/slides/slide12.xml><?xml version="1.0" encoding="utf-8"?>
+<p:sld xmlns:a="http://schemas.openxmlformats.org/drawingml/2006/main" xmlns:r="http://schemas.openxmlformats.org/officeDocument/2006/relationships" xmlns:p="http://schemas.openxmlformats.org/presentationml/2006/main">
+  <p:cSld>
+    <p:spTree>
+      <p:nvGrpSpPr>
+        <p:cNvPr id="1" name=""/>
+        <p:cNvGrpSpPr/>
+        <p:nvPr/>
+      </p:nvGrpSpPr>
+      <p:grpSpPr>
+        <a:xfrm>
+          <a:off x="0" y="0"/>
+          <a:ext cx="0" cy="0"/>
+          <a:chOff x="0" y="0"/>
+          <a:chExt cx="0" cy="0"/>
+        </a:xfrm>
+      </p:grpSpPr>
+      <p:sp>
+        <p:nvSpPr>
+          <p:cNvPr id="3" name="内容占位符 2"/>
+          <p:cNvSpPr>
+            <a:spLocks noGrp="1"/>
+          </p:cNvSpPr>
+          <p:nvPr>
+            <p:ph idx="1"/>
+          </p:nvPr>
+        </p:nvSpPr>
+        <p:spPr>
+          <a:xfrm>
+            <a:off x="684212" y="685800"/>
+            <a:ext cx="8534400" cy="4900353"/>
+          </a:xfrm>
+        </p:spPr>
+        <p:txBody>
+          <a:bodyPr/>
+          <a:lstStyle/>
+          <a:p>
+            <a:pPr marL="514350" indent="-514350">
+              <a:buFont typeface="+mj-ea"/>
+              <a:buAutoNum type="ea1JpnChsDbPeriod" startAt="5"/>
+            </a:pPr>
+            <a:r>
+              <a:rPr lang="zh-CN" altLang="en-US" dirty="0" smtClean="0"/>
+              <a:t>完善系统从各种来源的收集到的业务需求，梳理现有功能实现逻辑，检查代码合理性并减少系统缺陷，提高系统稳定性。</a:t>
+            </a:r>
+            <a:endParaRPr lang="zh-CN" altLang="en-US" dirty="0"/>
+          </a:p>
+        </p:txBody>
+      </p:sp>
+    </p:spTree>
+    <p:extLst>
+      <p:ext uri="{BB962C8B-B14F-4D97-AF65-F5344CB8AC3E}">
+        <p14:creationId xmlns:p14="http://schemas.microsoft.com/office/powerpoint/2010/main" val="2117381732"/>
+      </p:ext>
+    </p:extLst>
+  </p:cSld>
+  <p:clrMapOvr>
+    <a:masterClrMapping/>
+  </p:clrMapOvr>
+</p:sld>
+</file>
+
+<file path=ppt/slides/slide13.xml><?xml version="1.0" encoding="utf-8"?>
+<p:sld xmlns:a="http://schemas.openxmlformats.org/drawingml/2006/main" xmlns:r="http://schemas.openxmlformats.org/officeDocument/2006/relationships" xmlns:p="http://schemas.openxmlformats.org/presentationml/2006/main">
+  <p:cSld>
+    <p:spTree>
+      <p:nvGrpSpPr>
+        <p:cNvPr id="1" name=""/>
+        <p:cNvGrpSpPr/>
+        <p:nvPr/>
+      </p:nvGrpSpPr>
+      <p:grpSpPr>
+        <a:xfrm>
+          <a:off x="0" y="0"/>
+          <a:ext cx="0" cy="0"/>
+          <a:chOff x="0" y="0"/>
+          <a:chExt cx="0" cy="0"/>
+        </a:xfrm>
+      </p:grpSpPr>
+      <p:sp>
+        <p:nvSpPr>
+          <p:cNvPr id="2" name="标题 1">
+            <a:extLst>
+              <a:ext uri="{FF2B5EF4-FFF2-40B4-BE49-F238E27FC236}">
+                <a16:creationId xmlns:a16="http://schemas.microsoft.com/office/drawing/2014/main" id="{369CD5A4-37C6-4826-87F1-91B7B0A6D3E4}"/>
+              </a:ext>
+            </a:extLst>
+          </p:cNvPr>
+          <p:cNvSpPr>
+            <a:spLocks noGrp="1"/>
+          </p:cNvSpPr>
+          <p:nvPr>
+            <p:ph type="title"/>
+          </p:nvPr>
+        </p:nvSpPr>
+        <p:spPr/>
+        <p:txBody>
+          <a:bodyPr/>
+          <a:lstStyle/>
+          <a:p>
+            <a:r>
+              <a:rPr lang="zh-CN" altLang="en-US" dirty="0" smtClean="0"/>
+              <a:t>部分数据展示</a:t>
+            </a:r>
+            <a:endParaRPr lang="zh-CN" altLang="en-US" dirty="0"/>
+          </a:p>
+        </p:txBody>
+      </p:sp>
+    </p:spTree>
+    <p:extLst>
+      <p:ext uri="{BB962C8B-B14F-4D97-AF65-F5344CB8AC3E}">
+        <p14:creationId xmlns:p14="http://schemas.microsoft.com/office/powerpoint/2010/main" val="2295908005"/>
+      </p:ext>
+    </p:extLst>
+  </p:cSld>
+  <p:clrMapOvr>
+    <a:masterClrMapping/>
+  </p:clrMapOvr>
+</p:sld>
+</file>
+
+<file path=ppt/slides/slide14.xml><?xml version="1.0" encoding="utf-8"?>
+<p:sld xmlns:a="http://schemas.openxmlformats.org/drawingml/2006/main" xmlns:r="http://schemas.openxmlformats.org/officeDocument/2006/relationships" xmlns:p="http://schemas.openxmlformats.org/presentationml/2006/main">
+  <p:cSld>
+    <p:spTree>
+      <p:nvGrpSpPr>
+        <p:cNvPr id="1" name=""/>
+        <p:cNvGrpSpPr/>
+        <p:nvPr/>
+      </p:nvGrpSpPr>
+      <p:grpSpPr>
+        <a:xfrm>
+          <a:off x="0" y="0"/>
+          <a:ext cx="0" cy="0"/>
+          <a:chOff x="0" y="0"/>
+          <a:chExt cx="0" cy="0"/>
+        </a:xfrm>
+      </p:grpSpPr>
+      <p:pic>
+        <p:nvPicPr>
+          <p:cNvPr id="5" name="图片 4">
+            <a:extLst>
+              <a:ext uri="{FF2B5EF4-FFF2-40B4-BE49-F238E27FC236}">
+                <a16:creationId xmlns:a16="http://schemas.microsoft.com/office/drawing/2014/main" id="{4AEFD86D-34F1-4CC5-8098-2BE38C453AE3}"/>
+              </a:ext>
+            </a:extLst>
+          </p:cNvPr>
+          <p:cNvPicPr>
+            <a:picLocks noChangeAspect="1"/>
+          </p:cNvPicPr>
+          <p:nvPr/>
+        </p:nvPicPr>
+        <p:blipFill>
+          <a:blip r:embed="rId2"/>
+          <a:stretch>
+            <a:fillRect/>
+          </a:stretch>
+        </p:blipFill>
+        <p:spPr>
+          <a:xfrm>
+            <a:off x="0" y="115407"/>
+            <a:ext cx="12192000" cy="6627186"/>
+          </a:xfrm>
+          <a:prstGeom prst="rect">
+            <a:avLst/>
+          </a:prstGeom>
+        </p:spPr>
+      </p:pic>
+    </p:spTree>
+    <p:extLst>
+      <p:ext uri="{BB962C8B-B14F-4D97-AF65-F5344CB8AC3E}">
+        <p14:creationId xmlns:p14="http://schemas.microsoft.com/office/powerpoint/2010/main" val="23069205"/>
+      </p:ext>
+    </p:extLst>
+  </p:cSld>
+  <p:clrMapOvr>
+    <a:masterClrMapping/>
+  </p:clrMapOvr>
+</p:sld>
+</file>
+
+<file path=ppt/slides/slide15.xml><?xml version="1.0" encoding="utf-8"?>
 <p:sld xmlns:a="http://schemas.openxmlformats.org/drawingml/2006/main" xmlns:r="http://schemas.openxmlformats.org/officeDocument/2006/relationships" xmlns:p="http://schemas.openxmlformats.org/presentationml/2006/main">
   <p:cSld>
     <p:spTree>
@@ -5526,7 +5841,7 @@
 </p:sld>
 </file>
 
-<file path=ppt/slides/slide11.xml><?xml version="1.0" encoding="utf-8"?>
+<file path=ppt/slides/slide16.xml><?xml version="1.0" encoding="utf-8"?>
 <p:sld xmlns:a="http://schemas.openxmlformats.org/drawingml/2006/main" xmlns:r="http://schemas.openxmlformats.org/officeDocument/2006/relationships" xmlns:p="http://schemas.openxmlformats.org/presentationml/2006/main">
   <p:cSld>
     <p:spTree>
@@ -5586,7 +5901,7 @@
 </p:sld>
 </file>
 
-<file path=ppt/slides/slide12.xml><?xml version="1.0" encoding="utf-8"?>
+<file path=ppt/slides/slide17.xml><?xml version="1.0" encoding="utf-8"?>
 <p:sld xmlns:a="http://schemas.openxmlformats.org/drawingml/2006/main" xmlns:r="http://schemas.openxmlformats.org/officeDocument/2006/relationships" xmlns:p="http://schemas.openxmlformats.org/presentationml/2006/main">
   <p:cSld>
     <p:spTree>
@@ -5676,7 +5991,7 @@
 </p:sld>
 </file>
 
-<file path=ppt/slides/slide13.xml><?xml version="1.0" encoding="utf-8"?>
+<file path=ppt/slides/slide18.xml><?xml version="1.0" encoding="utf-8"?>
 <p:sld xmlns:a="http://schemas.openxmlformats.org/drawingml/2006/main" xmlns:r="http://schemas.openxmlformats.org/officeDocument/2006/relationships" xmlns:p="http://schemas.openxmlformats.org/presentationml/2006/main">
   <p:cSld>
     <p:spTree>
@@ -5736,7 +6051,7 @@
 </p:sld>
 </file>
 
-<file path=ppt/slides/slide14.xml><?xml version="1.0" encoding="utf-8"?>
+<file path=ppt/slides/slide19.xml><?xml version="1.0" encoding="utf-8"?>
 <p:sld xmlns:a="http://schemas.openxmlformats.org/drawingml/2006/main" xmlns:r="http://schemas.openxmlformats.org/officeDocument/2006/relationships" xmlns:p="http://schemas.openxmlformats.org/presentationml/2006/main">
   <p:cSld>
     <p:spTree>
@@ -5796,7 +6111,182 @@
 </p:sld>
 </file>
 
-<file path=ppt/slides/slide15.xml><?xml version="1.0" encoding="utf-8"?>
+<file path=ppt/slides/slide2.xml><?xml version="1.0" encoding="utf-8"?>
+<p:sld xmlns:a="http://schemas.openxmlformats.org/drawingml/2006/main" xmlns:r="http://schemas.openxmlformats.org/officeDocument/2006/relationships" xmlns:p="http://schemas.openxmlformats.org/presentationml/2006/main">
+  <p:cSld>
+    <p:spTree>
+      <p:nvGrpSpPr>
+        <p:cNvPr id="1" name=""/>
+        <p:cNvGrpSpPr/>
+        <p:nvPr/>
+      </p:nvGrpSpPr>
+      <p:grpSpPr>
+        <a:xfrm>
+          <a:off x="0" y="0"/>
+          <a:ext cx="0" cy="0"/>
+          <a:chOff x="0" y="0"/>
+          <a:chExt cx="0" cy="0"/>
+        </a:xfrm>
+      </p:grpSpPr>
+      <p:sp>
+        <p:nvSpPr>
+          <p:cNvPr id="2" name="标题 1">
+            <a:extLst>
+              <a:ext uri="{FF2B5EF4-FFF2-40B4-BE49-F238E27FC236}">
+                <a16:creationId xmlns:a16="http://schemas.microsoft.com/office/drawing/2014/main" id="{0D968906-A805-4D58-84B4-44D387C87BC3}"/>
+              </a:ext>
+            </a:extLst>
+          </p:cNvPr>
+          <p:cNvSpPr>
+            <a:spLocks noGrp="1"/>
+          </p:cNvSpPr>
+          <p:nvPr>
+            <p:ph type="title"/>
+          </p:nvPr>
+        </p:nvSpPr>
+        <p:spPr/>
+        <p:txBody>
+          <a:bodyPr/>
+          <a:lstStyle/>
+          <a:p>
+            <a:r>
+              <a:rPr lang="zh-CN" altLang="en-US" dirty="0"/>
+              <a:t>人员结构调整</a:t>
+            </a:r>
+          </a:p>
+        </p:txBody>
+      </p:sp>
+      <p:sp>
+        <p:nvSpPr>
+          <p:cNvPr id="3" name="内容占位符 2">
+            <a:extLst>
+              <a:ext uri="{FF2B5EF4-FFF2-40B4-BE49-F238E27FC236}">
+                <a16:creationId xmlns:a16="http://schemas.microsoft.com/office/drawing/2014/main" id="{C6CFEE46-BF6F-4FC3-A9E6-9709D78C4BE7}"/>
+              </a:ext>
+            </a:extLst>
+          </p:cNvPr>
+          <p:cNvSpPr>
+            <a:spLocks noGrp="1"/>
+          </p:cNvSpPr>
+          <p:nvPr>
+            <p:ph idx="1"/>
+          </p:nvPr>
+        </p:nvSpPr>
+        <p:spPr/>
+        <p:txBody>
+          <a:bodyPr/>
+          <a:lstStyle/>
+          <a:p>
+            <a:pPr marL="0" indent="0">
+              <a:buNone/>
+            </a:pPr>
+            <a:r>
+              <a:rPr lang="zh-CN" altLang="en-US" dirty="0"/>
+              <a:t>新增产品岗</a:t>
+            </a:r>
+            <a:r>
+              <a:rPr lang="en-US" altLang="zh-CN" dirty="0"/>
+              <a:t>1</a:t>
+            </a:r>
+            <a:r>
+              <a:rPr lang="zh-CN" altLang="en-US" dirty="0"/>
+              <a:t>人，研发团队人数总共增加</a:t>
+            </a:r>
+            <a:r>
+              <a:rPr lang="en-US" altLang="zh-CN" dirty="0"/>
+              <a:t>1</a:t>
+            </a:r>
+            <a:r>
+              <a:rPr lang="zh-CN" altLang="en-US" dirty="0"/>
+              <a:t>人</a:t>
+            </a:r>
+            <a:endParaRPr lang="en-US" altLang="zh-CN" dirty="0"/>
+          </a:p>
+          <a:p>
+            <a:pPr marL="0" indent="0">
+              <a:buNone/>
+            </a:pPr>
+            <a:r>
+              <a:rPr lang="zh-CN" altLang="en-US" dirty="0"/>
+              <a:t>离职和入职人数上基本保持不变</a:t>
+            </a:r>
+            <a:endParaRPr lang="en-US" altLang="zh-CN" dirty="0"/>
+          </a:p>
+          <a:p>
+            <a:pPr marL="0" indent="0">
+              <a:buNone/>
+            </a:pPr>
+            <a:r>
+              <a:rPr lang="zh-CN" altLang="en-US" dirty="0"/>
+              <a:t>优势：</a:t>
+            </a:r>
+            <a:endParaRPr lang="en-US" altLang="zh-CN" dirty="0"/>
+          </a:p>
+          <a:p>
+            <a:pPr marL="0" indent="0">
+              <a:buNone/>
+            </a:pPr>
+            <a:r>
+              <a:rPr lang="zh-CN" altLang="en-US" dirty="0"/>
+              <a:t>新入职的同事具备更丰富的工作经验和更高的技术水准</a:t>
+            </a:r>
+            <a:endParaRPr lang="en-US" altLang="zh-CN" dirty="0"/>
+          </a:p>
+          <a:p>
+            <a:pPr marL="0" indent="0">
+              <a:buNone/>
+            </a:pPr>
+            <a:r>
+              <a:rPr lang="zh-CN" altLang="en-US" dirty="0"/>
+              <a:t>公司研发团队的整体技术水准有较明显的增长</a:t>
+            </a:r>
+            <a:endParaRPr lang="en-US" altLang="zh-CN" dirty="0"/>
+          </a:p>
+          <a:p>
+            <a:pPr marL="0" indent="0">
+              <a:buNone/>
+            </a:pPr>
+            <a:r>
+              <a:rPr lang="zh-CN" altLang="en-US" dirty="0"/>
+              <a:t>不足：</a:t>
+            </a:r>
+            <a:endParaRPr lang="en-US" altLang="zh-CN" dirty="0"/>
+          </a:p>
+          <a:p>
+            <a:pPr marL="0" indent="0">
+              <a:buNone/>
+            </a:pPr>
+            <a:r>
+              <a:rPr lang="zh-CN" altLang="en-US" dirty="0"/>
+              <a:t>研发团队成员普遍对病理业务缺乏深入的认识和了解</a:t>
+            </a:r>
+            <a:endParaRPr lang="en-US" altLang="zh-CN" dirty="0"/>
+          </a:p>
+          <a:p>
+            <a:pPr marL="0" indent="0">
+              <a:buNone/>
+            </a:pPr>
+            <a:r>
+              <a:rPr lang="zh-CN" altLang="en-US" dirty="0"/>
+              <a:t>团队需要经过磨合和学习才能到达高效的工作状态</a:t>
+            </a:r>
+          </a:p>
+        </p:txBody>
+      </p:sp>
+    </p:spTree>
+    <p:extLst>
+      <p:ext uri="{BB962C8B-B14F-4D97-AF65-F5344CB8AC3E}">
+        <p14:creationId xmlns:p14="http://schemas.microsoft.com/office/powerpoint/2010/main" val="3811703255"/>
+      </p:ext>
+    </p:extLst>
+  </p:cSld>
+  <p:clrMapOvr>
+    <a:masterClrMapping/>
+  </p:clrMapOvr>
+</p:sld>
+</file>
+
+<file path=ppt/slides/slide20.xml><?xml version="1.0" encoding="utf-8"?>
 <p:sld xmlns:a="http://schemas.openxmlformats.org/drawingml/2006/main" xmlns:r="http://schemas.openxmlformats.org/officeDocument/2006/relationships" xmlns:p="http://schemas.openxmlformats.org/presentationml/2006/main">
   <p:cSld>
     <p:spTree>
@@ -5856,7 +6346,7 @@
 </p:sld>
 </file>
 
-<file path=ppt/slides/slide16.xml><?xml version="1.0" encoding="utf-8"?>
+<file path=ppt/slides/slide21.xml><?xml version="1.0" encoding="utf-8"?>
 <p:sld xmlns:a="http://schemas.openxmlformats.org/drawingml/2006/main" xmlns:r="http://schemas.openxmlformats.org/officeDocument/2006/relationships" xmlns:p="http://schemas.openxmlformats.org/presentationml/2006/main">
   <p:cSld>
     <p:spTree>
@@ -5913,10 +6403,17 @@
   <p:clrMapOvr>
     <a:masterClrMapping/>
   </p:clrMapOvr>
+  <p:timing>
+    <p:tnLst>
+      <p:par>
+        <p:cTn id="1" dur="indefinite" restart="never" nodeType="tmRoot"/>
+      </p:par>
+    </p:tnLst>
+  </p:timing>
 </p:sld>
 </file>
 
-<file path=ppt/slides/slide17.xml><?xml version="1.0" encoding="utf-8"?>
+<file path=ppt/slides/slide22.xml><?xml version="1.0" encoding="utf-8"?>
 <p:sld xmlns:a="http://schemas.openxmlformats.org/drawingml/2006/main" xmlns:r="http://schemas.openxmlformats.org/officeDocument/2006/relationships" xmlns:p="http://schemas.openxmlformats.org/presentationml/2006/main">
   <p:cSld>
     <p:spTree>
@@ -5933,191 +6430,56 @@
           <a:chExt cx="0" cy="0"/>
         </a:xfrm>
       </p:grpSpPr>
+      <p:sp>
+        <p:nvSpPr>
+          <p:cNvPr id="3" name="内容占位符 2"/>
+          <p:cNvSpPr>
+            <a:spLocks noGrp="1"/>
+          </p:cNvSpPr>
+          <p:nvPr>
+            <p:ph idx="1"/>
+          </p:nvPr>
+        </p:nvSpPr>
+        <p:spPr>
+          <a:xfrm>
+            <a:off x="1739928" y="1583575"/>
+            <a:ext cx="8534400" cy="3615267"/>
+          </a:xfrm>
+        </p:spPr>
+        <p:txBody>
+          <a:bodyPr>
+            <a:normAutofit/>
+          </a:bodyPr>
+          <a:lstStyle/>
+          <a:p>
+            <a:pPr marL="0" indent="0" algn="ctr">
+              <a:buNone/>
+            </a:pPr>
+            <a:r>
+              <a:rPr lang="zh-CN" altLang="en-US" sz="8000" dirty="0" smtClean="0"/>
+              <a:t>谢谢</a:t>
+            </a:r>
+            <a:endParaRPr lang="zh-CN" altLang="en-US" sz="8000" dirty="0"/>
+          </a:p>
+        </p:txBody>
+      </p:sp>
     </p:spTree>
     <p:extLst>
       <p:ext uri="{BB962C8B-B14F-4D97-AF65-F5344CB8AC3E}">
-        <p14:creationId xmlns:p14="http://schemas.microsoft.com/office/powerpoint/2010/main" val="3299954677"/>
+        <p14:creationId xmlns:p14="http://schemas.microsoft.com/office/powerpoint/2010/main" val="2783300248"/>
       </p:ext>
     </p:extLst>
   </p:cSld>
   <p:clrMapOvr>
     <a:masterClrMapping/>
   </p:clrMapOvr>
-</p:sld>
-</file>
-
-<file path=ppt/slides/slide2.xml><?xml version="1.0" encoding="utf-8"?>
-<p:sld xmlns:a="http://schemas.openxmlformats.org/drawingml/2006/main" xmlns:r="http://schemas.openxmlformats.org/officeDocument/2006/relationships" xmlns:p="http://schemas.openxmlformats.org/presentationml/2006/main">
-  <p:cSld>
-    <p:spTree>
-      <p:nvGrpSpPr>
-        <p:cNvPr id="1" name=""/>
-        <p:cNvGrpSpPr/>
-        <p:nvPr/>
-      </p:nvGrpSpPr>
-      <p:grpSpPr>
-        <a:xfrm>
-          <a:off x="0" y="0"/>
-          <a:ext cx="0" cy="0"/>
-          <a:chOff x="0" y="0"/>
-          <a:chExt cx="0" cy="0"/>
-        </a:xfrm>
-      </p:grpSpPr>
-      <p:sp>
-        <p:nvSpPr>
-          <p:cNvPr id="2" name="标题 1">
-            <a:extLst>
-              <a:ext uri="{FF2B5EF4-FFF2-40B4-BE49-F238E27FC236}">
-                <a16:creationId xmlns:a16="http://schemas.microsoft.com/office/drawing/2014/main" id="{0D968906-A805-4D58-84B4-44D387C87BC3}"/>
-              </a:ext>
-            </a:extLst>
-          </p:cNvPr>
-          <p:cNvSpPr>
-            <a:spLocks noGrp="1"/>
-          </p:cNvSpPr>
-          <p:nvPr>
-            <p:ph type="title"/>
-          </p:nvPr>
-        </p:nvSpPr>
-        <p:spPr/>
-        <p:txBody>
-          <a:bodyPr/>
-          <a:lstStyle/>
-          <a:p>
-            <a:r>
-              <a:rPr lang="zh-CN" altLang="en-US" dirty="0"/>
-              <a:t>人员结构调整</a:t>
-            </a:r>
-          </a:p>
-        </p:txBody>
-      </p:sp>
-      <p:sp>
-        <p:nvSpPr>
-          <p:cNvPr id="3" name="内容占位符 2">
-            <a:extLst>
-              <a:ext uri="{FF2B5EF4-FFF2-40B4-BE49-F238E27FC236}">
-                <a16:creationId xmlns:a16="http://schemas.microsoft.com/office/drawing/2014/main" id="{C6CFEE46-BF6F-4FC3-A9E6-9709D78C4BE7}"/>
-              </a:ext>
-            </a:extLst>
-          </p:cNvPr>
-          <p:cNvSpPr>
-            <a:spLocks noGrp="1"/>
-          </p:cNvSpPr>
-          <p:nvPr>
-            <p:ph idx="1"/>
-          </p:nvPr>
-        </p:nvSpPr>
-        <p:spPr/>
-        <p:txBody>
-          <a:bodyPr/>
-          <a:lstStyle/>
-          <a:p>
-            <a:pPr marL="0" indent="0">
-              <a:buNone/>
-            </a:pPr>
-            <a:r>
-              <a:rPr lang="zh-CN" altLang="en-US" dirty="0"/>
-              <a:t>新增产品岗</a:t>
-            </a:r>
-            <a:r>
-              <a:rPr lang="en-US" altLang="zh-CN" dirty="0"/>
-              <a:t>1</a:t>
-            </a:r>
-            <a:r>
-              <a:rPr lang="zh-CN" altLang="en-US" dirty="0"/>
-              <a:t>人，研发团队人数总共增加</a:t>
-            </a:r>
-            <a:r>
-              <a:rPr lang="en-US" altLang="zh-CN" dirty="0"/>
-              <a:t>1</a:t>
-            </a:r>
-            <a:r>
-              <a:rPr lang="zh-CN" altLang="en-US" dirty="0"/>
-              <a:t>人</a:t>
-            </a:r>
-            <a:endParaRPr lang="en-US" altLang="zh-CN" dirty="0"/>
-          </a:p>
-          <a:p>
-            <a:pPr marL="0" indent="0">
-              <a:buNone/>
-            </a:pPr>
-            <a:r>
-              <a:rPr lang="zh-CN" altLang="en-US" dirty="0"/>
-              <a:t>离职和入职人数上基本保持不变</a:t>
-            </a:r>
-            <a:endParaRPr lang="en-US" altLang="zh-CN" dirty="0"/>
-          </a:p>
-          <a:p>
-            <a:pPr marL="0" indent="0">
-              <a:buNone/>
-            </a:pPr>
-            <a:r>
-              <a:rPr lang="zh-CN" altLang="en-US" dirty="0"/>
-              <a:t>优势：</a:t>
-            </a:r>
-            <a:endParaRPr lang="en-US" altLang="zh-CN" dirty="0"/>
-          </a:p>
-          <a:p>
-            <a:pPr marL="0" indent="0">
-              <a:buNone/>
-            </a:pPr>
-            <a:r>
-              <a:rPr lang="zh-CN" altLang="en-US" dirty="0"/>
-              <a:t>新入职的同事具备更丰富的工作经验和更高的技术水准</a:t>
-            </a:r>
-            <a:endParaRPr lang="en-US" altLang="zh-CN" dirty="0"/>
-          </a:p>
-          <a:p>
-            <a:pPr marL="0" indent="0">
-              <a:buNone/>
-            </a:pPr>
-            <a:r>
-              <a:rPr lang="zh-CN" altLang="en-US" dirty="0"/>
-              <a:t>公司研发团队的整体技术水准有较明显的增长</a:t>
-            </a:r>
-            <a:endParaRPr lang="en-US" altLang="zh-CN" dirty="0"/>
-          </a:p>
-          <a:p>
-            <a:pPr marL="0" indent="0">
-              <a:buNone/>
-            </a:pPr>
-            <a:r>
-              <a:rPr lang="zh-CN" altLang="en-US" dirty="0"/>
-              <a:t>不足：</a:t>
-            </a:r>
-            <a:endParaRPr lang="en-US" altLang="zh-CN" dirty="0"/>
-          </a:p>
-          <a:p>
-            <a:pPr marL="0" indent="0">
-              <a:buNone/>
-            </a:pPr>
-            <a:r>
-              <a:rPr lang="zh-CN" altLang="en-US" dirty="0"/>
-              <a:t>研发团队成员普遍对病理业务缺乏深入的认识和了解</a:t>
-            </a:r>
-            <a:endParaRPr lang="en-US" altLang="zh-CN" dirty="0"/>
-          </a:p>
-          <a:p>
-            <a:pPr marL="0" indent="0">
-              <a:buNone/>
-            </a:pPr>
-            <a:r>
-              <a:rPr lang="zh-CN" altLang="en-US" dirty="0"/>
-              <a:t>团队需要经过磨合和学习才能到达高效的工作状态</a:t>
-            </a:r>
-          </a:p>
-        </p:txBody>
-      </p:sp>
-    </p:spTree>
-    <p:extLst>
-      <p:ext uri="{BB962C8B-B14F-4D97-AF65-F5344CB8AC3E}">
-        <p14:creationId xmlns:p14="http://schemas.microsoft.com/office/powerpoint/2010/main" val="3811703255"/>
-      </p:ext>
-    </p:extLst>
-  </p:cSld>
-  <p:clrMapOvr>
-    <a:masterClrMapping/>
-  </p:clrMapOvr>
+  <p:timing>
+    <p:tnLst>
+      <p:par>
+        <p:cTn id="1" dur="indefinite" restart="never" nodeType="tmRoot"/>
+      </p:par>
+    </p:tnLst>
+  </p:timing>
 </p:sld>
 </file>
 
@@ -7947,34 +8309,9 @@
           <a:lstStyle/>
           <a:p>
             <a:r>
-              <a:rPr lang="zh-CN" altLang="en-US"/>
+              <a:rPr lang="zh-CN" altLang="en-US" dirty="0"/>
               <a:t>主要工作回顾</a:t>
             </a:r>
-          </a:p>
-        </p:txBody>
-      </p:sp>
-      <p:sp>
-        <p:nvSpPr>
-          <p:cNvPr id="3" name="内容占位符 2">
-            <a:extLst>
-              <a:ext uri="{FF2B5EF4-FFF2-40B4-BE49-F238E27FC236}">
-                <a16:creationId xmlns:a16="http://schemas.microsoft.com/office/drawing/2014/main" id="{CFCB8D38-3A26-41A1-8FDC-16F1CAB1281D}"/>
-              </a:ext>
-            </a:extLst>
-          </p:cNvPr>
-          <p:cNvSpPr>
-            <a:spLocks noGrp="1"/>
-          </p:cNvSpPr>
-          <p:nvPr>
-            <p:ph idx="1"/>
-          </p:nvPr>
-        </p:nvSpPr>
-        <p:spPr/>
-        <p:txBody>
-          <a:bodyPr/>
-          <a:lstStyle/>
-          <a:p>
-            <a:endParaRPr lang="zh-CN" altLang="en-US"/>
           </a:p>
         </p:txBody>
       </p:sp>
@@ -8010,36 +8347,110 @@
       </p:grpSpPr>
       <p:sp>
         <p:nvSpPr>
-          <p:cNvPr id="2" name="标题 1">
-            <a:extLst>
-              <a:ext uri="{FF2B5EF4-FFF2-40B4-BE49-F238E27FC236}">
-                <a16:creationId xmlns:a16="http://schemas.microsoft.com/office/drawing/2014/main" id="{369CD5A4-37C6-4826-87F1-91B7B0A6D3E4}"/>
-              </a:ext>
-            </a:extLst>
-          </p:cNvPr>
-          <p:cNvSpPr>
-            <a:spLocks noGrp="1"/>
-          </p:cNvSpPr>
-          <p:nvPr>
-            <p:ph type="title"/>
-          </p:nvPr>
-        </p:nvSpPr>
-        <p:spPr/>
+          <p:cNvPr id="3" name="内容占位符 2"/>
+          <p:cNvSpPr>
+            <a:spLocks noGrp="1"/>
+          </p:cNvSpPr>
+          <p:nvPr>
+            <p:ph idx="1"/>
+          </p:nvPr>
+        </p:nvSpPr>
+        <p:spPr>
+          <a:xfrm>
+            <a:off x="684212" y="685800"/>
+            <a:ext cx="8534400" cy="5399116"/>
+          </a:xfrm>
+        </p:spPr>
         <p:txBody>
           <a:bodyPr/>
           <a:lstStyle/>
           <a:p>
+            <a:pPr marL="514350" indent="-514350">
+              <a:buFont typeface="+mj-ea"/>
+              <a:buAutoNum type="ea1JpnChsDbPeriod"/>
+            </a:pPr>
+            <a:r>
+              <a:rPr lang="zh-CN" altLang="en-US" dirty="0" smtClean="0"/>
+              <a:t>优化底层框架，减少实现相同功能所需的代码量以及设计难度。</a:t>
+            </a:r>
+            <a:endParaRPr lang="en-US" altLang="zh-CN" dirty="0" smtClean="0"/>
+          </a:p>
+          <a:p>
+            <a:pPr marL="0" indent="0">
+              <a:buNone/>
+            </a:pPr>
+            <a:r>
+              <a:rPr lang="zh-CN" altLang="en-US" dirty="0" smtClean="0"/>
+              <a:t>从过去的：</a:t>
+            </a:r>
+            <a:endParaRPr lang="en-US" altLang="zh-CN" dirty="0" smtClean="0"/>
+          </a:p>
+          <a:p>
+            <a:pPr marL="0" indent="0">
+              <a:buNone/>
+            </a:pPr>
+            <a:r>
+              <a:rPr lang="en-US" altLang="zh-CN" dirty="0"/>
+              <a:t>RS-QFC-Client-CF-Product-Aspect-AF-AP-IBLL-BLL-IDAL-DAL-Model-</a:t>
+            </a:r>
             <a:r>
               <a:rPr lang="zh-CN" altLang="en-US" dirty="0"/>
-              <a:t>部分成果展示</a:t>
-            </a:r>
-          </a:p>
-        </p:txBody>
-      </p:sp>
+              <a:t>数据库</a:t>
+            </a:r>
+            <a:endParaRPr lang="en-US" altLang="zh-CN" dirty="0"/>
+          </a:p>
+          <a:p>
+            <a:pPr marL="0" indent="0">
+              <a:buNone/>
+            </a:pPr>
+            <a:r>
+              <a:rPr lang="zh-CN" altLang="en-US" dirty="0" smtClean="0"/>
+              <a:t>优化为：</a:t>
+            </a:r>
+            <a:endParaRPr lang="en-US" altLang="zh-CN" dirty="0" smtClean="0"/>
+          </a:p>
+          <a:p>
+            <a:pPr marL="0" indent="0">
+              <a:buNone/>
+            </a:pPr>
+            <a:endParaRPr lang="en-US" altLang="zh-CN" dirty="0" smtClean="0"/>
+          </a:p>
+          <a:p>
+            <a:pPr marL="0" indent="0">
+              <a:buNone/>
+            </a:pPr>
+            <a:endParaRPr lang="en-US" altLang="zh-CN" dirty="0" smtClean="0"/>
+          </a:p>
+        </p:txBody>
+      </p:sp>
+      <p:pic>
+        <p:nvPicPr>
+          <p:cNvPr id="7" name="图片 6"/>
+          <p:cNvPicPr>
+            <a:picLocks noChangeAspect="1"/>
+          </p:cNvPicPr>
+          <p:nvPr/>
+        </p:nvPicPr>
+        <p:blipFill>
+          <a:blip r:embed="rId2"/>
+          <a:stretch>
+            <a:fillRect/>
+          </a:stretch>
+        </p:blipFill>
+        <p:spPr>
+          <a:xfrm>
+            <a:off x="764359" y="3979048"/>
+            <a:ext cx="4495238" cy="1742857"/>
+          </a:xfrm>
+          <a:prstGeom prst="rect">
+            <a:avLst/>
+          </a:prstGeom>
+        </p:spPr>
+      </p:pic>
     </p:spTree>
     <p:extLst>
       <p:ext uri="{BB962C8B-B14F-4D97-AF65-F5344CB8AC3E}">
-        <p14:creationId xmlns:p14="http://schemas.microsoft.com/office/powerpoint/2010/main" val="2295908005"/>
+        <p14:creationId xmlns:p14="http://schemas.microsoft.com/office/powerpoint/2010/main" val="3681999467"/>
       </p:ext>
     </p:extLst>
   </p:cSld>
@@ -8066,40 +8477,84 @@
           <a:chExt cx="0" cy="0"/>
         </a:xfrm>
       </p:grpSpPr>
-      <p:pic>
-        <p:nvPicPr>
-          <p:cNvPr id="5" name="图片 4">
-            <a:extLst>
-              <a:ext uri="{FF2B5EF4-FFF2-40B4-BE49-F238E27FC236}">
-                <a16:creationId xmlns:a16="http://schemas.microsoft.com/office/drawing/2014/main" id="{4AEFD86D-34F1-4CC5-8098-2BE38C453AE3}"/>
-              </a:ext>
-            </a:extLst>
-          </p:cNvPr>
-          <p:cNvPicPr>
-            <a:picLocks noChangeAspect="1"/>
-          </p:cNvPicPr>
-          <p:nvPr/>
-        </p:nvPicPr>
-        <p:blipFill>
-          <a:blip r:embed="rId2"/>
-          <a:stretch>
-            <a:fillRect/>
-          </a:stretch>
-        </p:blipFill>
+      <p:sp>
+        <p:nvSpPr>
+          <p:cNvPr id="3" name="内容占位符 2"/>
+          <p:cNvSpPr>
+            <a:spLocks noGrp="1"/>
+          </p:cNvSpPr>
+          <p:nvPr>
+            <p:ph idx="1"/>
+          </p:nvPr>
+        </p:nvSpPr>
         <p:spPr>
           <a:xfrm>
-            <a:off x="0" y="115407"/>
-            <a:ext cx="12192000" cy="6627186"/>
+            <a:off x="684212" y="685800"/>
+            <a:ext cx="8534400" cy="5473931"/>
           </a:xfrm>
-          <a:prstGeom prst="rect">
-            <a:avLst/>
-          </a:prstGeom>
         </p:spPr>
-      </p:pic>
+        <p:txBody>
+          <a:bodyPr/>
+          <a:lstStyle/>
+          <a:p>
+            <a:pPr marL="514350" indent="-514350">
+              <a:buFont typeface="+mj-ea"/>
+              <a:buAutoNum type="ea1JpnChsDbPeriod" startAt="2"/>
+            </a:pPr>
+            <a:r>
+              <a:rPr lang="zh-CN" altLang="en-US" dirty="0" smtClean="0"/>
+              <a:t>删除嵌入</a:t>
+            </a:r>
+            <a:r>
+              <a:rPr lang="en-US" altLang="zh-CN" dirty="0" smtClean="0"/>
+              <a:t>HTML</a:t>
+            </a:r>
+            <a:r>
+              <a:rPr lang="zh-CN" altLang="en-US" dirty="0" smtClean="0"/>
+              <a:t>的实现方案</a:t>
+            </a:r>
+            <a:endParaRPr lang="en-US" altLang="zh-CN" dirty="0" smtClean="0"/>
+          </a:p>
+          <a:p>
+            <a:pPr marL="0" indent="0">
+              <a:buNone/>
+            </a:pPr>
+            <a:r>
+              <a:rPr lang="zh-CN" altLang="en-US" dirty="0" smtClean="0"/>
+              <a:t>由于</a:t>
+            </a:r>
+            <a:r>
+              <a:rPr lang="en-US" altLang="zh-CN" dirty="0" err="1" smtClean="0"/>
+              <a:t>winform</a:t>
+            </a:r>
+            <a:r>
+              <a:rPr lang="zh-CN" altLang="en-US" dirty="0" smtClean="0"/>
+              <a:t>内嵌</a:t>
+            </a:r>
+            <a:r>
+              <a:rPr lang="en-US" altLang="zh-CN" dirty="0" smtClean="0"/>
+              <a:t>HTML</a:t>
+            </a:r>
+            <a:r>
+              <a:rPr lang="zh-CN" altLang="en-US" dirty="0" smtClean="0"/>
+              <a:t>容易造成极大的工作量负担，同时无法支持</a:t>
+            </a:r>
+            <a:r>
+              <a:rPr lang="en-US" altLang="zh-CN" dirty="0" err="1" smtClean="0"/>
+              <a:t>xp</a:t>
+            </a:r>
+            <a:r>
+              <a:rPr lang="zh-CN" altLang="en-US" dirty="0" smtClean="0"/>
+              <a:t>系统运行，所以重做了原有的登记站点，统一系统各实现方案。</a:t>
+            </a:r>
+            <a:endParaRPr lang="zh-CN" altLang="en-US" dirty="0"/>
+          </a:p>
+        </p:txBody>
+      </p:sp>
     </p:spTree>
     <p:extLst>
       <p:ext uri="{BB962C8B-B14F-4D97-AF65-F5344CB8AC3E}">
-        <p14:creationId xmlns:p14="http://schemas.microsoft.com/office/powerpoint/2010/main" val="23069205"/>
+        <p14:creationId xmlns:p14="http://schemas.microsoft.com/office/powerpoint/2010/main" val="2837039353"/>
       </p:ext>
     </p:extLst>
   </p:cSld>
